--- a/S8A2-Defense.pptx
+++ b/S8A2-Defense.pptx
@@ -17125,7 +17125,7 @@
             <a:tbl>
               <a:tblPr>
                 <a:noFill/>
-                <a:tableStyleId>{D8538B47-3701-49E6-BFE5-C73876411723}</a:tableStyleId>
+                <a:tableStyleId>{254CF82A-794A-49C2-8E1F-B1B89AD0B03A}</a:tableStyleId>
               </a:tblPr>
               <a:tblGrid>
                 <a:gridCol w="2324625"/>
@@ -18296,7 +18296,7 @@
             <a:tbl>
               <a:tblPr>
                 <a:noFill/>
-                <a:tableStyleId>{D8538B47-3701-49E6-BFE5-C73876411723}</a:tableStyleId>
+                <a:tableStyleId>{254CF82A-794A-49C2-8E1F-B1B89AD0B03A}</a:tableStyleId>
               </a:tblPr>
               <a:tblGrid>
                 <a:gridCol w="863050"/>
@@ -19807,7 +19807,7 @@
             <a:tbl>
               <a:tblPr>
                 <a:noFill/>
-                <a:tableStyleId>{D8538B47-3701-49E6-BFE5-C73876411723}</a:tableStyleId>
+                <a:tableStyleId>{254CF82A-794A-49C2-8E1F-B1B89AD0B03A}</a:tableStyleId>
               </a:tblPr>
               <a:tblGrid>
                 <a:gridCol w="617550"/>
@@ -20391,7 +20391,7 @@
             <a:tbl>
               <a:tblPr>
                 <a:noFill/>
-                <a:tableStyleId>{D8538B47-3701-49E6-BFE5-C73876411723}</a:tableStyleId>
+                <a:tableStyleId>{254CF82A-794A-49C2-8E1F-B1B89AD0B03A}</a:tableStyleId>
               </a:tblPr>
               <a:tblGrid>
                 <a:gridCol w="444250"/>
@@ -20612,7 +20612,7 @@
             <a:tbl>
               <a:tblPr>
                 <a:noFill/>
-                <a:tableStyleId>{D8538B47-3701-49E6-BFE5-C73876411723}</a:tableStyleId>
+                <a:tableStyleId>{254CF82A-794A-49C2-8E1F-B1B89AD0B03A}</a:tableStyleId>
               </a:tblPr>
               <a:tblGrid>
                 <a:gridCol w="444250"/>
@@ -20781,7 +20781,7 @@
             <a:tbl>
               <a:tblPr>
                 <a:noFill/>
-                <a:tableStyleId>{D8538B47-3701-49E6-BFE5-C73876411723}</a:tableStyleId>
+                <a:tableStyleId>{254CF82A-794A-49C2-8E1F-B1B89AD0B03A}</a:tableStyleId>
               </a:tblPr>
               <a:tblGrid>
                 <a:gridCol w="444250"/>
@@ -22129,7 +22129,7 @@
             </a:pPr>
             <a:r>
               <a:rPr lang="en"/>
-              <a:t>Délibération du facteur K: 9</a:t>
+              <a:t>Délibération des facteurs K représentants: 9, K voisins: 1</a:t>
             </a:r>
             <a:endParaRPr/>
           </a:p>
@@ -22383,8 +22383,8 @@
         </p:blipFill>
         <p:spPr>
           <a:xfrm>
-            <a:off x="6231425" y="840300"/>
-            <a:ext cx="2699675" cy="4074849"/>
+            <a:off x="6068050" y="1300950"/>
+            <a:ext cx="3175450" cy="3259874"/>
           </a:xfrm>
           <a:prstGeom prst="rect">
             <a:avLst/>
@@ -22411,8 +22411,8 @@
         </p:blipFill>
         <p:spPr>
           <a:xfrm>
-            <a:off x="0" y="2080600"/>
-            <a:ext cx="2764125" cy="2073100"/>
+            <a:off x="0" y="1974013"/>
+            <a:ext cx="2934226" cy="2649325"/>
           </a:xfrm>
           <a:prstGeom prst="rect">
             <a:avLst/>
